--- a/习题课课件/动态规划习题课.pptx
+++ b/习题课课件/动态规划习题课.pptx
@@ -27,6 +27,9 @@
   </p:sldIdLst>
   <p:sldSz cx="12192000" cy="6858000"/>
   <p:notesSz cx="6858000" cy="9144000"/>
+  <p:custDataLst>
+    <p:tags r:id="rId25"/>
+  </p:custDataLst>
   <p:defaultTextStyle>
     <a:defPPr>
       <a:defRPr lang="zh-CN"/>
@@ -13888,7 +13891,7 @@
           <a:graphicData uri="http://schemas.openxmlformats.org/presentationml/2006/ole">
             <mc:AlternateContent xmlns:mc="http://schemas.openxmlformats.org/markup-compatibility/2006">
               <mc:Choice xmlns:v="urn:schemas-microsoft-com:vml" Requires="v">
-                <p:oleObj spid="_x0000_s0" name="Equation" r:id="rId1" imgW="94792800" imgH="10972800" progId="Equation.DSMT4">
+                <p:oleObj spid="_x0000_s3" name="Equation" r:id="rId1" imgW="94792800" imgH="10972800" progId="Equation.DSMT4">
                   <p:embed/>
                 </p:oleObj>
               </mc:Choice>
@@ -13925,7 +13928,7 @@
       </p:graphicFrame>
       <p:graphicFrame>
         <p:nvGraphicFramePr>
-          <p:cNvPr id="3" name="对象 2"/>
+          <p:cNvPr id="4" name="对象 3"/>
           <p:cNvGraphicFramePr>
             <a:graphicFrameLocks noChangeAspect="1"/>
           </p:cNvGraphicFramePr>
@@ -13939,7 +13942,7 @@
           <a:graphicData uri="http://schemas.openxmlformats.org/presentationml/2006/ole">
             <mc:AlternateContent xmlns:mc="http://schemas.openxmlformats.org/markup-compatibility/2006">
               <mc:Choice xmlns:v="urn:schemas-microsoft-com:vml" Requires="v">
-                <p:oleObj spid="_x0000_s4" name="Equation" r:id="rId3" imgW="16459200" imgH="4876800" progId="Equation.DSMT4">
+                <p:oleObj spid="_x0000_s8" name="Equation" r:id="rId3" imgW="16459200" imgH="4876800" progId="Equation.DSMT4">
                   <p:embed/>
                 </p:oleObj>
               </mc:Choice>
@@ -15242,7 +15245,7 @@
                                           </p:stCondLst>
                                         </p:cTn>
                                         <p:tgtEl>
-                                          <p:spTgt spid="3"/>
+                                          <p:spTgt spid="2"/>
                                         </p:tgtEl>
                                         <p:attrNameLst>
                                           <p:attrName>style.visibility</p:attrName>
@@ -15274,7 +15277,7 @@
                             </p:stCondLst>
                             <p:childTnLst>
                               <p:par>
-                                <p:cTn id="45" presetID="1" presetClass="entr" presetSubtype="0" fill="hold" nodeType="clickEffect">
+                                <p:cTn id="45" presetID="1" presetClass="entr" presetSubtype="0" fill="hold" grpId="0" nodeType="clickEffect">
                                   <p:stCondLst>
                                     <p:cond delay="0"/>
                                   </p:stCondLst>
@@ -15287,7 +15290,7 @@
                                           </p:stCondLst>
                                         </p:cTn>
                                         <p:tgtEl>
-                                          <p:spTgt spid="2"/>
+                                          <p:spTgt spid="66"/>
                                         </p:tgtEl>
                                         <p:attrNameLst>
                                           <p:attrName>style.visibility</p:attrName>
@@ -15327,51 +15330,6 @@
                                     <p:set>
                                       <p:cBhvr>
                                         <p:cTn id="50" dur="1" fill="hold">
-                                          <p:stCondLst>
-                                            <p:cond delay="0"/>
-                                          </p:stCondLst>
-                                        </p:cTn>
-                                        <p:tgtEl>
-                                          <p:spTgt spid="66"/>
-                                        </p:tgtEl>
-                                        <p:attrNameLst>
-                                          <p:attrName>style.visibility</p:attrName>
-                                        </p:attrNameLst>
-                                      </p:cBhvr>
-                                      <p:to>
-                                        <p:strVal val="visible"/>
-                                      </p:to>
-                                    </p:set>
-                                  </p:childTnLst>
-                                </p:cTn>
-                              </p:par>
-                            </p:childTnLst>
-                          </p:cTn>
-                        </p:par>
-                      </p:childTnLst>
-                    </p:cTn>
-                  </p:par>
-                  <p:par>
-                    <p:cTn id="51" fill="hold">
-                      <p:stCondLst>
-                        <p:cond delay="indefinite"/>
-                      </p:stCondLst>
-                      <p:childTnLst>
-                        <p:par>
-                          <p:cTn id="52" fill="hold">
-                            <p:stCondLst>
-                              <p:cond delay="0"/>
-                            </p:stCondLst>
-                            <p:childTnLst>
-                              <p:par>
-                                <p:cTn id="53" presetID="1" presetClass="entr" presetSubtype="0" fill="hold" grpId="0" nodeType="clickEffect">
-                                  <p:stCondLst>
-                                    <p:cond delay="0"/>
-                                  </p:stCondLst>
-                                  <p:childTnLst>
-                                    <p:set>
-                                      <p:cBhvr>
-                                        <p:cTn id="54" dur="1" fill="hold">
                                           <p:stCondLst>
                                             <p:cond delay="0"/>
                                           </p:stCondLst>
@@ -27667,7 +27625,7 @@
           <a:graphicData uri="http://schemas.openxmlformats.org/presentationml/2006/ole">
             <mc:AlternateContent xmlns:mc="http://schemas.openxmlformats.org/markup-compatibility/2006">
               <mc:Choice xmlns:v="urn:schemas-microsoft-com:vml" Requires="v">
-                <p:oleObj spid="_x0000_s0" name="Equation" r:id="rId1" imgW="3162300" imgH="711200" progId="Equation.DSMT4">
+                <p:oleObj spid="_x0000_s2" name="Equation" r:id="rId1" imgW="3162300" imgH="711200" progId="Equation.DSMT4">
                   <p:embed/>
                 </p:oleObj>
               </mc:Choice>
@@ -44750,6 +44708,13 @@
 </p:sld>
 </file>
 
+<file path=ppt/tags/tag1.xml><?xml version="1.0" encoding="utf-8"?>
+<p:tagLst xmlns:p="http://schemas.openxmlformats.org/presentationml/2006/main">
+  <p:tag name="KSO_WPP_MARK_KEY" val="a80b97f8-eef5-447c-b0ff-052833c3b5d9"/>
+  <p:tag name="COMMONDATA" val="eyJoZGlkIjoiNzc4ZDAzZTU4NTU5ODRlOWU3ZGE2N2Y3OGI1NWI1ZjkifQ=="/>
+</p:tagLst>
+</file>
+
 <file path=ppt/theme/theme1.xml><?xml version="1.0" encoding="utf-8"?>
 <a:theme xmlns:a="http://schemas.openxmlformats.org/drawingml/2006/main" name="Office 主题">
   <a:themeElements>
